--- a/课程PPT/33.ES6中Promise对象与异步编程.pptx
+++ b/课程PPT/33.ES6中Promise对象与异步编程.pptx
@@ -5062,7 +5062,7 @@
                 <a:sym typeface="+mn-ea"/>
               </a:rPr>
             </a:br>
-            <a:endParaRPr lang="zh-CN" altLang="en-US" sz="1900">
+            <a:endParaRPr lang="zh-CN" altLang="en-US" sz="1800">
               <a:solidFill>
                 <a:schemeClr val="tx1"/>
               </a:solidFill>
@@ -5075,7 +5075,7 @@
                 <a:spcPct val="130000"/>
               </a:lnSpc>
             </a:pPr>
-            <a:endParaRPr lang="zh-CN" altLang="en-US" sz="1900">
+            <a:endParaRPr lang="zh-CN" altLang="en-US" sz="1800">
               <a:solidFill>
                 <a:schemeClr val="tx1"/>
               </a:solidFill>
@@ -5088,7 +5088,7 @@
                 <a:spcPct val="130000"/>
               </a:lnSpc>
             </a:pPr>
-            <a:endParaRPr lang="zh-CN" altLang="en-US" sz="1900">
+            <a:endParaRPr lang="zh-CN" altLang="en-US" sz="1800">
               <a:solidFill>
                 <a:schemeClr val="tx1"/>
               </a:solidFill>
@@ -5101,7 +5101,7 @@
                 <a:spcPct val="130000"/>
               </a:lnSpc>
             </a:pPr>
-            <a:endParaRPr lang="zh-CN" altLang="en-US" sz="1900">
+            <a:endParaRPr lang="zh-CN" altLang="en-US" sz="1800">
               <a:solidFill>
                 <a:schemeClr val="tx1"/>
               </a:solidFill>
@@ -5316,8 +5316,32 @@
         </p:blipFill>
         <p:spPr>
           <a:xfrm>
-            <a:off x="1175385" y="1661795"/>
+            <a:off x="1120775" y="1504315"/>
             <a:ext cx="9950450" cy="1348105"/>
+          </a:xfrm>
+          <a:prstGeom prst="rect">
+            <a:avLst/>
+          </a:prstGeom>
+        </p:spPr>
+      </p:pic>
+      <p:pic>
+        <p:nvPicPr>
+          <p:cNvPr id="3" name="图片 2" descr="LXN45QHV@BV740IQD22QQOX"/>
+          <p:cNvPicPr>
+            <a:picLocks noChangeAspect="1"/>
+          </p:cNvPicPr>
+          <p:nvPr/>
+        </p:nvPicPr>
+        <p:blipFill>
+          <a:blip r:embed="rId2"/>
+          <a:stretch>
+            <a:fillRect/>
+          </a:stretch>
+        </p:blipFill>
+        <p:spPr>
+          <a:xfrm>
+            <a:off x="1222375" y="3873500"/>
+            <a:ext cx="7988300" cy="2038350"/>
           </a:xfrm>
           <a:prstGeom prst="rect">
             <a:avLst/>
@@ -5437,30 +5461,112 @@
                             </p:childTnLst>
                           </p:cTn>
                         </p:par>
-                      </p:childTnLst>
-                    </p:cTn>
-                  </p:par>
-                  <p:par>
-                    <p:cTn id="9" fill="hold">
-                      <p:stCondLst>
-                        <p:cond delay="indefinite"/>
-                      </p:stCondLst>
-                      <p:childTnLst>
                         <p:par>
-                          <p:cTn id="10" fill="hold">
+                          <p:cTn id="9" fill="hold">
                             <p:stCondLst>
-                              <p:cond delay="0"/>
+                              <p:cond delay="500"/>
                             </p:stCondLst>
                             <p:childTnLst>
                               <p:par>
-                                <p:cTn id="11" presetID="2" presetClass="entr" presetSubtype="4" fill="hold" nodeType="clickEffect">
+                                <p:cTn id="10" presetID="2" presetClass="entr" presetSubtype="4" fill="hold" nodeType="afterEffect">
                                   <p:stCondLst>
                                     <p:cond delay="0"/>
                                   </p:stCondLst>
                                   <p:childTnLst>
                                     <p:set>
                                       <p:cBhvr>
-                                        <p:cTn id="12" dur="1" fill="hold">
+                                        <p:cTn id="11" dur="1" fill="hold">
+                                          <p:stCondLst>
+                                            <p:cond delay="0"/>
+                                          </p:stCondLst>
+                                        </p:cTn>
+                                        <p:tgtEl>
+                                          <p:spTgt spid="7"/>
+                                        </p:tgtEl>
+                                        <p:attrNameLst>
+                                          <p:attrName>style.visibility</p:attrName>
+                                        </p:attrNameLst>
+                                      </p:cBhvr>
+                                      <p:to>
+                                        <p:strVal val="visible"/>
+                                      </p:to>
+                                    </p:set>
+                                    <p:anim calcmode="lin" valueType="num">
+                                      <p:cBhvr additive="base">
+                                        <p:cTn id="12" dur="500" fill="hold"/>
+                                        <p:tgtEl>
+                                          <p:spTgt spid="7"/>
+                                        </p:tgtEl>
+                                        <p:attrNameLst>
+                                          <p:attrName>ppt_x</p:attrName>
+                                        </p:attrNameLst>
+                                      </p:cBhvr>
+                                      <p:tavLst>
+                                        <p:tav tm="0">
+                                          <p:val>
+                                            <p:strVal val="#ppt_x"/>
+                                          </p:val>
+                                        </p:tav>
+                                        <p:tav tm="100000">
+                                          <p:val>
+                                            <p:strVal val="#ppt_x"/>
+                                          </p:val>
+                                        </p:tav>
+                                      </p:tavLst>
+                                    </p:anim>
+                                    <p:anim calcmode="lin" valueType="num">
+                                      <p:cBhvr additive="base">
+                                        <p:cTn id="13" dur="500" fill="hold"/>
+                                        <p:tgtEl>
+                                          <p:spTgt spid="7"/>
+                                        </p:tgtEl>
+                                        <p:attrNameLst>
+                                          <p:attrName>ppt_y</p:attrName>
+                                        </p:attrNameLst>
+                                      </p:cBhvr>
+                                      <p:tavLst>
+                                        <p:tav tm="0">
+                                          <p:val>
+                                            <p:strVal val="1+#ppt_h/2"/>
+                                          </p:val>
+                                        </p:tav>
+                                        <p:tav tm="100000">
+                                          <p:val>
+                                            <p:strVal val="#ppt_y"/>
+                                          </p:val>
+                                        </p:tav>
+                                      </p:tavLst>
+                                    </p:anim>
+                                  </p:childTnLst>
+                                </p:cTn>
+                              </p:par>
+                            </p:childTnLst>
+                          </p:cTn>
+                        </p:par>
+                      </p:childTnLst>
+                    </p:cTn>
+                  </p:par>
+                  <p:par>
+                    <p:cTn id="14" fill="hold">
+                      <p:stCondLst>
+                        <p:cond delay="indefinite"/>
+                      </p:stCondLst>
+                      <p:childTnLst>
+                        <p:par>
+                          <p:cTn id="15" fill="hold">
+                            <p:stCondLst>
+                              <p:cond delay="0"/>
+                            </p:stCondLst>
+                            <p:childTnLst>
+                              <p:par>
+                                <p:cTn id="16" presetID="2" presetClass="entr" presetSubtype="4" fill="hold" nodeType="clickEffect">
+                                  <p:stCondLst>
+                                    <p:cond delay="0"/>
+                                  </p:stCondLst>
+                                  <p:childTnLst>
+                                    <p:set>
+                                      <p:cBhvr>
+                                        <p:cTn id="17" dur="1" fill="hold">
                                           <p:stCondLst>
                                             <p:cond delay="0"/>
                                           </p:stCondLst>
@@ -5482,7 +5588,7 @@
                                     </p:set>
                                     <p:anim calcmode="lin" valueType="num">
                                       <p:cBhvr additive="base">
-                                        <p:cTn id="13" dur="500" fill="hold"/>
+                                        <p:cTn id="18" dur="500" fill="hold"/>
                                         <p:tgtEl>
                                           <p:spTgt spid="11266">
                                             <p:txEl>
@@ -5509,7 +5615,7 @@
                                     </p:anim>
                                     <p:anim calcmode="lin" valueType="num">
                                       <p:cBhvr additive="base">
-                                        <p:cTn id="14" dur="500" fill="hold"/>
+                                        <p:cTn id="19" dur="500" fill="hold"/>
                                         <p:tgtEl>
                                           <p:spTgt spid="11266">
                                             <p:txEl>
@@ -5540,36 +5646,27 @@
                             </p:childTnLst>
                           </p:cTn>
                         </p:par>
-                      </p:childTnLst>
-                    </p:cTn>
-                  </p:par>
-                  <p:par>
-                    <p:cTn id="15" fill="hold">
-                      <p:stCondLst>
-                        <p:cond delay="indefinite"/>
-                      </p:stCondLst>
-                      <p:childTnLst>
                         <p:par>
-                          <p:cTn id="16" fill="hold">
+                          <p:cTn id="20" fill="hold">
                             <p:stCondLst>
-                              <p:cond delay="0"/>
+                              <p:cond delay="500"/>
                             </p:stCondLst>
                             <p:childTnLst>
                               <p:par>
-                                <p:cTn id="17" presetID="2" presetClass="entr" presetSubtype="4" fill="hold" grpId="0" nodeType="clickEffect">
+                                <p:cTn id="21" presetID="2" presetClass="entr" presetSubtype="4" fill="hold" nodeType="afterEffect">
                                   <p:stCondLst>
                                     <p:cond delay="0"/>
                                   </p:stCondLst>
                                   <p:childTnLst>
                                     <p:set>
                                       <p:cBhvr>
-                                        <p:cTn id="18" dur="1" fill="hold">
+                                        <p:cTn id="22" dur="1" fill="hold">
                                           <p:stCondLst>
                                             <p:cond delay="0"/>
                                           </p:stCondLst>
                                         </p:cTn>
                                         <p:tgtEl>
-                                          <p:spTgt spid="4"/>
+                                          <p:spTgt spid="3"/>
                                         </p:tgtEl>
                                         <p:attrNameLst>
                                           <p:attrName>style.visibility</p:attrName>
@@ -5581,9 +5678,9 @@
                                     </p:set>
                                     <p:anim calcmode="lin" valueType="num">
                                       <p:cBhvr additive="base">
-                                        <p:cTn id="19" dur="500" fill="hold"/>
+                                        <p:cTn id="23" dur="500" fill="hold"/>
                                         <p:tgtEl>
-                                          <p:spTgt spid="4"/>
+                                          <p:spTgt spid="3"/>
                                         </p:tgtEl>
                                         <p:attrNameLst>
                                           <p:attrName>ppt_x</p:attrName>
@@ -5604,9 +5701,9 @@
                                     </p:anim>
                                     <p:anim calcmode="lin" valueType="num">
                                       <p:cBhvr additive="base">
-                                        <p:cTn id="20" dur="500" fill="hold"/>
+                                        <p:cTn id="24" dur="500" fill="hold"/>
                                         <p:tgtEl>
-                                          <p:spTgt spid="4"/>
+                                          <p:spTgt spid="3"/>
                                         </p:tgtEl>
                                         <p:attrNameLst>
                                           <p:attrName>ppt_y</p:attrName>
@@ -5631,27 +5728,36 @@
                             </p:childTnLst>
                           </p:cTn>
                         </p:par>
+                      </p:childTnLst>
+                    </p:cTn>
+                  </p:par>
+                  <p:par>
+                    <p:cTn id="25" fill="hold">
+                      <p:stCondLst>
+                        <p:cond delay="indefinite"/>
+                      </p:stCondLst>
+                      <p:childTnLst>
                         <p:par>
-                          <p:cTn id="21" fill="hold">
+                          <p:cTn id="26" fill="hold">
                             <p:stCondLst>
-                              <p:cond delay="500"/>
+                              <p:cond delay="0"/>
                             </p:stCondLst>
                             <p:childTnLst>
                               <p:par>
-                                <p:cTn id="22" presetID="2" presetClass="entr" presetSubtype="4" fill="hold" nodeType="afterEffect">
+                                <p:cTn id="27" presetID="2" presetClass="entr" presetSubtype="4" fill="hold" grpId="0" nodeType="clickEffect">
                                   <p:stCondLst>
                                     <p:cond delay="0"/>
                                   </p:stCondLst>
                                   <p:childTnLst>
                                     <p:set>
                                       <p:cBhvr>
-                                        <p:cTn id="23" dur="1" fill="hold">
+                                        <p:cTn id="28" dur="1" fill="hold">
                                           <p:stCondLst>
                                             <p:cond delay="0"/>
                                           </p:stCondLst>
                                         </p:cTn>
                                         <p:tgtEl>
-                                          <p:spTgt spid="7"/>
+                                          <p:spTgt spid="4"/>
                                         </p:tgtEl>
                                         <p:attrNameLst>
                                           <p:attrName>style.visibility</p:attrName>
@@ -5663,9 +5769,9 @@
                                     </p:set>
                                     <p:anim calcmode="lin" valueType="num">
                                       <p:cBhvr additive="base">
-                                        <p:cTn id="24" dur="500" fill="hold"/>
+                                        <p:cTn id="29" dur="500" fill="hold"/>
                                         <p:tgtEl>
-                                          <p:spTgt spid="7"/>
+                                          <p:spTgt spid="4"/>
                                         </p:tgtEl>
                                         <p:attrNameLst>
                                           <p:attrName>ppt_x</p:attrName>
@@ -5686,9 +5792,9 @@
                                     </p:anim>
                                     <p:anim calcmode="lin" valueType="num">
                                       <p:cBhvr additive="base">
-                                        <p:cTn id="25" dur="500" fill="hold"/>
+                                        <p:cTn id="30" dur="500" fill="hold"/>
                                         <p:tgtEl>
-                                          <p:spTgt spid="7"/>
+                                          <p:spTgt spid="4"/>
                                         </p:tgtEl>
                                         <p:attrNameLst>
                                           <p:attrName>ppt_y</p:attrName>
@@ -6189,7 +6295,7 @@
               </a:lnSpc>
             </a:pPr>
             <a:r>
-              <a:rPr kumimoji="0" lang="en-US" altLang="zh-CN" sz="3600" dirty="0" smtClean="0">
+              <a:rPr kumimoji="0" lang="en-US" altLang="zh-CN" sz="3200" dirty="0" smtClean="0">
                 <a:solidFill>
                   <a:schemeClr val="tx1"/>
                 </a:solidFill>
@@ -6198,7 +6304,7 @@
               <a:t>Promise</a:t>
             </a:r>
             <a:r>
-              <a:rPr kumimoji="0" lang="zh-CN" altLang="en-US" sz="3600" dirty="0" smtClean="0">
+              <a:rPr kumimoji="0" lang="zh-CN" altLang="en-US" sz="3200" dirty="0" smtClean="0">
                 <a:solidFill>
                   <a:schemeClr val="tx1"/>
                 </a:solidFill>
@@ -6207,7 +6313,7 @@
               <a:t>静态方法（Promise.</a:t>
             </a:r>
             <a:r>
-              <a:rPr kumimoji="0" lang="en-US" altLang="zh-CN" sz="3600" dirty="0" smtClean="0">
+              <a:rPr kumimoji="0" lang="en-US" altLang="zh-CN" sz="3200" dirty="0" smtClean="0">
                 <a:solidFill>
                   <a:srgbClr val="FF0000"/>
                 </a:solidFill>
@@ -6216,7 +6322,7 @@
               <a:t>race</a:t>
             </a:r>
             <a:r>
-              <a:rPr kumimoji="0" lang="zh-CN" altLang="en-US" sz="3600" dirty="0" smtClean="0">
+              <a:rPr kumimoji="0" lang="zh-CN" altLang="en-US" sz="3200" dirty="0" smtClean="0">
                 <a:solidFill>
                   <a:schemeClr val="tx1"/>
                 </a:solidFill>
@@ -6239,7 +6345,115 @@
                 </a:solidFill>
                 <a:sym typeface="+mn-ea"/>
               </a:rPr>
-              <a:t>- 当iterable参数里的任意一个子promise被成功或失败后，父promise马上也会用子promise的成功返回值或失败详情作为参数调用父promise绑定的相应句柄，并返回该promise对象</a:t>
+              <a:t>- </a:t>
+            </a:r>
+            <a:r>
+              <a:rPr kumimoji="0" lang="zh-CN" altLang="en-US" sz="1900" dirty="0" smtClean="0">
+                <a:solidFill>
+                  <a:schemeClr val="tx1"/>
+                </a:solidFill>
+                <a:sym typeface="+mn-ea"/>
+              </a:rPr>
+              <a:t>参数为</a:t>
+            </a:r>
+            <a:r>
+              <a:rPr kumimoji="0" lang="en-US" altLang="zh-CN" sz="1900" dirty="0" smtClean="0">
+                <a:solidFill>
+                  <a:schemeClr val="tx1"/>
+                </a:solidFill>
+                <a:sym typeface="+mn-ea"/>
+              </a:rPr>
+              <a:t>Promise</a:t>
+            </a:r>
+            <a:r>
+              <a:rPr kumimoji="0" lang="zh-CN" altLang="en-US" sz="1900" dirty="0" smtClean="0">
+                <a:solidFill>
+                  <a:schemeClr val="tx1"/>
+                </a:solidFill>
+                <a:sym typeface="+mn-ea"/>
+              </a:rPr>
+              <a:t>对象数组，</a:t>
+            </a:r>
+            <a:r>
+              <a:rPr kumimoji="0" lang="en-US" altLang="zh-CN" sz="1900" dirty="0" smtClean="0">
+                <a:solidFill>
+                  <a:schemeClr val="tx1"/>
+                </a:solidFill>
+                <a:sym typeface="+mn-ea"/>
+              </a:rPr>
+              <a:t>参数里的任意一个子</a:t>
+            </a:r>
+            <a:r>
+              <a:rPr kumimoji="0" lang="zh-CN" altLang="en-US" sz="1900" dirty="0" smtClean="0">
+                <a:solidFill>
+                  <a:schemeClr val="tx1"/>
+                </a:solidFill>
+                <a:sym typeface="+mn-ea"/>
+              </a:rPr>
+              <a:t>Promise</a:t>
+            </a:r>
+            <a:r>
+              <a:rPr kumimoji="0" lang="en-US" altLang="zh-CN" sz="1900" dirty="0" smtClean="0">
+                <a:solidFill>
+                  <a:schemeClr val="tx1"/>
+                </a:solidFill>
+                <a:sym typeface="+mn-ea"/>
+              </a:rPr>
+              <a:t>成功或失败后，父</a:t>
+            </a:r>
+            <a:r>
+              <a:rPr kumimoji="0" lang="zh-CN" altLang="en-US" sz="1900" dirty="0" smtClean="0">
+                <a:solidFill>
+                  <a:schemeClr val="tx1"/>
+                </a:solidFill>
+                <a:sym typeface="+mn-ea"/>
+              </a:rPr>
+              <a:t>Promise</a:t>
+            </a:r>
+            <a:r>
+              <a:rPr kumimoji="0" lang="en-US" altLang="zh-CN" sz="1900" dirty="0" smtClean="0">
+                <a:solidFill>
+                  <a:schemeClr val="tx1"/>
+                </a:solidFill>
+                <a:sym typeface="+mn-ea"/>
+              </a:rPr>
+              <a:t>马上也会用子</a:t>
+            </a:r>
+            <a:r>
+              <a:rPr kumimoji="0" lang="zh-CN" altLang="en-US" sz="1900" dirty="0" smtClean="0">
+                <a:solidFill>
+                  <a:schemeClr val="tx1"/>
+                </a:solidFill>
+                <a:sym typeface="+mn-ea"/>
+              </a:rPr>
+              <a:t>Promise</a:t>
+            </a:r>
+            <a:r>
+              <a:rPr kumimoji="0" lang="en-US" altLang="zh-CN" sz="1900" dirty="0" smtClean="0">
+                <a:solidFill>
+                  <a:schemeClr val="tx1"/>
+                </a:solidFill>
+                <a:sym typeface="+mn-ea"/>
+              </a:rPr>
+              <a:t>的成功返回值或失败详情作为参数调用父</a:t>
+            </a:r>
+            <a:r>
+              <a:rPr kumimoji="0" lang="zh-CN" altLang="en-US" sz="1900" dirty="0" smtClean="0">
+                <a:solidFill>
+                  <a:schemeClr val="tx1"/>
+                </a:solidFill>
+                <a:sym typeface="+mn-ea"/>
+              </a:rPr>
+              <a:t>Promise</a:t>
+            </a:r>
+            <a:r>
+              <a:rPr kumimoji="0" lang="en-US" altLang="zh-CN" sz="1900" dirty="0" smtClean="0">
+                <a:solidFill>
+                  <a:schemeClr val="tx1"/>
+                </a:solidFill>
+                <a:sym typeface="+mn-ea"/>
+              </a:rPr>
+              <a:t>绑定的相应句柄，并返回该promise对象</a:t>
             </a:r>
             <a:endParaRPr kumimoji="0" lang="en-US" altLang="zh-CN" sz="1900" dirty="0" smtClean="0">
               <a:solidFill>
@@ -7051,30 +7265,112 @@
                             </p:childTnLst>
                           </p:cTn>
                         </p:par>
-                      </p:childTnLst>
-                    </p:cTn>
-                  </p:par>
-                  <p:par>
-                    <p:cTn id="9" fill="hold">
-                      <p:stCondLst>
-                        <p:cond delay="indefinite"/>
-                      </p:stCondLst>
-                      <p:childTnLst>
                         <p:par>
-                          <p:cTn id="10" fill="hold">
+                          <p:cTn id="9" fill="hold">
                             <p:stCondLst>
-                              <p:cond delay="0"/>
+                              <p:cond delay="500"/>
                             </p:stCondLst>
                             <p:childTnLst>
                               <p:par>
-                                <p:cTn id="11" presetID="2" presetClass="entr" presetSubtype="4" fill="hold" nodeType="clickEffect">
+                                <p:cTn id="10" presetID="2" presetClass="entr" presetSubtype="4" fill="hold" nodeType="afterEffect">
                                   <p:stCondLst>
                                     <p:cond delay="0"/>
                                   </p:stCondLst>
                                   <p:childTnLst>
                                     <p:set>
                                       <p:cBhvr>
-                                        <p:cTn id="12" dur="1" fill="hold">
+                                        <p:cTn id="11" dur="1" fill="hold">
+                                          <p:stCondLst>
+                                            <p:cond delay="0"/>
+                                          </p:stCondLst>
+                                        </p:cTn>
+                                        <p:tgtEl>
+                                          <p:spTgt spid="3"/>
+                                        </p:tgtEl>
+                                        <p:attrNameLst>
+                                          <p:attrName>style.visibility</p:attrName>
+                                        </p:attrNameLst>
+                                      </p:cBhvr>
+                                      <p:to>
+                                        <p:strVal val="visible"/>
+                                      </p:to>
+                                    </p:set>
+                                    <p:anim calcmode="lin" valueType="num">
+                                      <p:cBhvr additive="base">
+                                        <p:cTn id="12" dur="500" fill="hold"/>
+                                        <p:tgtEl>
+                                          <p:spTgt spid="3"/>
+                                        </p:tgtEl>
+                                        <p:attrNameLst>
+                                          <p:attrName>ppt_x</p:attrName>
+                                        </p:attrNameLst>
+                                      </p:cBhvr>
+                                      <p:tavLst>
+                                        <p:tav tm="0">
+                                          <p:val>
+                                            <p:strVal val="#ppt_x"/>
+                                          </p:val>
+                                        </p:tav>
+                                        <p:tav tm="100000">
+                                          <p:val>
+                                            <p:strVal val="#ppt_x"/>
+                                          </p:val>
+                                        </p:tav>
+                                      </p:tavLst>
+                                    </p:anim>
+                                    <p:anim calcmode="lin" valueType="num">
+                                      <p:cBhvr additive="base">
+                                        <p:cTn id="13" dur="500" fill="hold"/>
+                                        <p:tgtEl>
+                                          <p:spTgt spid="3"/>
+                                        </p:tgtEl>
+                                        <p:attrNameLst>
+                                          <p:attrName>ppt_y</p:attrName>
+                                        </p:attrNameLst>
+                                      </p:cBhvr>
+                                      <p:tavLst>
+                                        <p:tav tm="0">
+                                          <p:val>
+                                            <p:strVal val="1+#ppt_h/2"/>
+                                          </p:val>
+                                        </p:tav>
+                                        <p:tav tm="100000">
+                                          <p:val>
+                                            <p:strVal val="#ppt_y"/>
+                                          </p:val>
+                                        </p:tav>
+                                      </p:tavLst>
+                                    </p:anim>
+                                  </p:childTnLst>
+                                </p:cTn>
+                              </p:par>
+                            </p:childTnLst>
+                          </p:cTn>
+                        </p:par>
+                      </p:childTnLst>
+                    </p:cTn>
+                  </p:par>
+                  <p:par>
+                    <p:cTn id="14" fill="hold">
+                      <p:stCondLst>
+                        <p:cond delay="indefinite"/>
+                      </p:stCondLst>
+                      <p:childTnLst>
+                        <p:par>
+                          <p:cTn id="15" fill="hold">
+                            <p:stCondLst>
+                              <p:cond delay="0"/>
+                            </p:stCondLst>
+                            <p:childTnLst>
+                              <p:par>
+                                <p:cTn id="16" presetID="2" presetClass="entr" presetSubtype="4" fill="hold" nodeType="clickEffect">
+                                  <p:stCondLst>
+                                    <p:cond delay="0"/>
+                                  </p:stCondLst>
+                                  <p:childTnLst>
+                                    <p:set>
+                                      <p:cBhvr>
+                                        <p:cTn id="17" dur="1" fill="hold">
                                           <p:stCondLst>
                                             <p:cond delay="0"/>
                                           </p:stCondLst>
@@ -7096,7 +7392,7 @@
                                     </p:set>
                                     <p:anim calcmode="lin" valueType="num">
                                       <p:cBhvr additive="base">
-                                        <p:cTn id="13" dur="500" fill="hold"/>
+                                        <p:cTn id="18" dur="500" fill="hold"/>
                                         <p:tgtEl>
                                           <p:spTgt spid="11266">
                                             <p:txEl>
@@ -7123,7 +7419,7 @@
                                     </p:anim>
                                     <p:anim calcmode="lin" valueType="num">
                                       <p:cBhvr additive="base">
-                                        <p:cTn id="14" dur="500" fill="hold"/>
+                                        <p:cTn id="19" dur="500" fill="hold"/>
                                         <p:tgtEl>
                                           <p:spTgt spid="11266">
                                             <p:txEl>
@@ -7154,30 +7450,112 @@
                             </p:childTnLst>
                           </p:cTn>
                         </p:par>
-                      </p:childTnLst>
-                    </p:cTn>
-                  </p:par>
-                  <p:par>
-                    <p:cTn id="15" fill="hold">
-                      <p:stCondLst>
-                        <p:cond delay="indefinite"/>
-                      </p:stCondLst>
-                      <p:childTnLst>
                         <p:par>
-                          <p:cTn id="16" fill="hold">
+                          <p:cTn id="20" fill="hold">
                             <p:stCondLst>
-                              <p:cond delay="0"/>
+                              <p:cond delay="500"/>
                             </p:stCondLst>
                             <p:childTnLst>
                               <p:par>
-                                <p:cTn id="17" presetID="2" presetClass="entr" presetSubtype="4" fill="hold" grpId="0" nodeType="clickEffect">
+                                <p:cTn id="21" presetID="2" presetClass="entr" presetSubtype="4" fill="hold" nodeType="afterEffect">
                                   <p:stCondLst>
                                     <p:cond delay="0"/>
                                   </p:stCondLst>
                                   <p:childTnLst>
                                     <p:set>
                                       <p:cBhvr>
-                                        <p:cTn id="18" dur="1" fill="hold">
+                                        <p:cTn id="22" dur="1" fill="hold">
+                                          <p:stCondLst>
+                                            <p:cond delay="0"/>
+                                          </p:stCondLst>
+                                        </p:cTn>
+                                        <p:tgtEl>
+                                          <p:spTgt spid="5"/>
+                                        </p:tgtEl>
+                                        <p:attrNameLst>
+                                          <p:attrName>style.visibility</p:attrName>
+                                        </p:attrNameLst>
+                                      </p:cBhvr>
+                                      <p:to>
+                                        <p:strVal val="visible"/>
+                                      </p:to>
+                                    </p:set>
+                                    <p:anim calcmode="lin" valueType="num">
+                                      <p:cBhvr additive="base">
+                                        <p:cTn id="23" dur="500" fill="hold"/>
+                                        <p:tgtEl>
+                                          <p:spTgt spid="5"/>
+                                        </p:tgtEl>
+                                        <p:attrNameLst>
+                                          <p:attrName>ppt_x</p:attrName>
+                                        </p:attrNameLst>
+                                      </p:cBhvr>
+                                      <p:tavLst>
+                                        <p:tav tm="0">
+                                          <p:val>
+                                            <p:strVal val="#ppt_x"/>
+                                          </p:val>
+                                        </p:tav>
+                                        <p:tav tm="100000">
+                                          <p:val>
+                                            <p:strVal val="#ppt_x"/>
+                                          </p:val>
+                                        </p:tav>
+                                      </p:tavLst>
+                                    </p:anim>
+                                    <p:anim calcmode="lin" valueType="num">
+                                      <p:cBhvr additive="base">
+                                        <p:cTn id="24" dur="500" fill="hold"/>
+                                        <p:tgtEl>
+                                          <p:spTgt spid="5"/>
+                                        </p:tgtEl>
+                                        <p:attrNameLst>
+                                          <p:attrName>ppt_y</p:attrName>
+                                        </p:attrNameLst>
+                                      </p:cBhvr>
+                                      <p:tavLst>
+                                        <p:tav tm="0">
+                                          <p:val>
+                                            <p:strVal val="1+#ppt_h/2"/>
+                                          </p:val>
+                                        </p:tav>
+                                        <p:tav tm="100000">
+                                          <p:val>
+                                            <p:strVal val="#ppt_y"/>
+                                          </p:val>
+                                        </p:tav>
+                                      </p:tavLst>
+                                    </p:anim>
+                                  </p:childTnLst>
+                                </p:cTn>
+                              </p:par>
+                            </p:childTnLst>
+                          </p:cTn>
+                        </p:par>
+                      </p:childTnLst>
+                    </p:cTn>
+                  </p:par>
+                  <p:par>
+                    <p:cTn id="25" fill="hold">
+                      <p:stCondLst>
+                        <p:cond delay="indefinite"/>
+                      </p:stCondLst>
+                      <p:childTnLst>
+                        <p:par>
+                          <p:cTn id="26" fill="hold">
+                            <p:stCondLst>
+                              <p:cond delay="0"/>
+                            </p:stCondLst>
+                            <p:childTnLst>
+                              <p:par>
+                                <p:cTn id="27" presetID="2" presetClass="entr" presetSubtype="4" fill="hold" grpId="0" nodeType="clickEffect">
+                                  <p:stCondLst>
+                                    <p:cond delay="0"/>
+                                  </p:stCondLst>
+                                  <p:childTnLst>
+                                    <p:set>
+                                      <p:cBhvr>
+                                        <p:cTn id="28" dur="1" fill="hold">
                                           <p:stCondLst>
                                             <p:cond delay="0"/>
                                           </p:stCondLst>
@@ -7195,7 +7573,7 @@
                                     </p:set>
                                     <p:anim calcmode="lin" valueType="num">
                                       <p:cBhvr additive="base">
-                                        <p:cTn id="19" dur="500" fill="hold"/>
+                                        <p:cTn id="29" dur="500" fill="hold"/>
                                         <p:tgtEl>
                                           <p:spTgt spid="4"/>
                                         </p:tgtEl>
@@ -7218,7 +7596,7 @@
                                     </p:anim>
                                     <p:anim calcmode="lin" valueType="num">
                                       <p:cBhvr additive="base">
-                                        <p:cTn id="20" dur="500" fill="hold"/>
+                                        <p:cTn id="30" dur="500" fill="hold"/>
                                         <p:tgtEl>
                                           <p:spTgt spid="4"/>
                                         </p:tgtEl>
@@ -8507,7 +8885,7 @@
                 </a:solidFill>
                 <a:sym typeface="+mn-ea"/>
               </a:rPr>
-              <a:t>特点</a:t>
+              <a:t>参考链接</a:t>
             </a:r>
             <a:br>
               <a:rPr lang="zh-CN" altLang="en-US" sz="2000" dirty="0">
@@ -8518,25 +8896,16 @@
               </a:rPr>
             </a:br>
             <a:r>
-              <a:rPr lang="en-US" altLang="zh-CN" sz="1900" dirty="0">
-                <a:solidFill>
-                  <a:schemeClr val="tx1"/>
-                </a:solidFill>
-                <a:sym typeface="+mn-ea"/>
-              </a:rPr>
-              <a:t>- </a:t>
-            </a:r>
-            <a:r>
-              <a:rPr sz="1900" dirty="0">
-                <a:solidFill>
-                  <a:schemeClr val="tx1"/>
-                </a:solidFill>
-                <a:sym typeface="+mn-ea"/>
-              </a:rPr>
-              <a:t>对象的状态不受外界影响。只有异步操作的结果，可以决定当前是哪一种状态</a:t>
+              <a:rPr sz="1800" dirty="0">
+                <a:solidFill>
+                  <a:schemeClr val="tx1"/>
+                </a:solidFill>
+                <a:sym typeface="+mn-ea"/>
+              </a:rPr>
+              <a:t>https://developer.mozilla.org/zh-CN/docs/Web/JavaScript/Reference/Global_Objects/Promise</a:t>
             </a:r>
             <a:br>
-              <a:rPr sz="1900" dirty="0">
+              <a:rPr sz="1800" dirty="0">
                 <a:solidFill>
                   <a:schemeClr val="tx1"/>
                 </a:solidFill>
@@ -8544,42 +8913,40 @@
               </a:rPr>
             </a:br>
             <a:r>
-              <a:rPr lang="en-US" sz="1900" dirty="0">
-                <a:solidFill>
-                  <a:schemeClr val="tx1"/>
-                </a:solidFill>
-                <a:sym typeface="+mn-ea"/>
-              </a:rPr>
-              <a:t>- </a:t>
-            </a:r>
-            <a:r>
-              <a:rPr sz="1900" dirty="0">
-                <a:solidFill>
-                  <a:schemeClr val="tx1"/>
-                </a:solidFill>
-                <a:sym typeface="+mn-ea"/>
-              </a:rPr>
-              <a:t>一旦状态改变，就不会再变，任何时候都可以得到这个结果。Promise对象的状态改变</a:t>
-            </a:r>
-            <a:r>
-              <a:rPr lang="zh-CN" sz="1900" dirty="0">
-                <a:solidFill>
-                  <a:schemeClr val="tx1"/>
-                </a:solidFill>
-                <a:sym typeface="+mn-ea"/>
-              </a:rPr>
-              <a:t>后</a:t>
-            </a:r>
-            <a:r>
-              <a:rPr sz="1900" dirty="0">
-                <a:solidFill>
-                  <a:schemeClr val="tx1"/>
-                </a:solidFill>
-                <a:sym typeface="+mn-ea"/>
-              </a:rPr>
-              <a:t>，状态就凝固了。如果改变已经发生了，你再对Promise对象添加回调函数，也会立即得到这个结果。这与事件（Event）完全不同，事件的特点是，如果你错过了它，再去监听，是得不到结果的。</a:t>
-            </a:r>
-            <a:endParaRPr lang="en-US" sz="1900" dirty="0">
+              <a:rPr sz="1800" dirty="0">
+                <a:solidFill>
+                  <a:schemeClr val="tx1"/>
+                </a:solidFill>
+                <a:sym typeface="+mn-ea"/>
+              </a:rPr>
+              <a:t>https://segmentfault.com/a/1190000010399626</a:t>
+            </a:r>
+            <a:br>
+              <a:rPr sz="1800" dirty="0">
+                <a:solidFill>
+                  <a:schemeClr val="tx1"/>
+                </a:solidFill>
+                <a:sym typeface="+mn-ea"/>
+              </a:rPr>
+            </a:br>
+            <a:r>
+              <a:rPr sz="1800" dirty="0">
+                <a:solidFill>
+                  <a:schemeClr val="tx1"/>
+                </a:solidFill>
+                <a:sym typeface="+mn-ea"/>
+              </a:rPr>
+              <a:t>https://segmentfault.com/a/1190000007678185</a:t>
+            </a:r>
+            <a:br>
+              <a:rPr sz="1800" dirty="0">
+                <a:solidFill>
+                  <a:schemeClr val="tx1"/>
+                </a:solidFill>
+                <a:sym typeface="+mn-ea"/>
+              </a:rPr>
+            </a:br>
+            <a:endParaRPr sz="1800" dirty="0">
               <a:solidFill>
                 <a:schemeClr val="tx1"/>
               </a:solidFill>
@@ -8599,33 +8966,80 @@
                 </a:solidFill>
                 <a:sym typeface="+mn-ea"/>
               </a:rPr>
-              <a:t>参考（https://www.jianshu.com/p/c98eb98bd00c）</a:t>
+              <a:t>作业（学习在线视频和</a:t>
+            </a:r>
+            <a:r>
+              <a:rPr lang="en-US" altLang="zh-CN" sz="3200" dirty="0">
+                <a:solidFill>
+                  <a:schemeClr val="tx1"/>
+                </a:solidFill>
+                <a:sym typeface="+mn-ea"/>
+              </a:rPr>
+              <a:t>Promise</a:t>
+            </a:r>
+            <a:r>
+              <a:rPr lang="zh-CN" altLang="en-US" sz="3200" dirty="0">
+                <a:solidFill>
+                  <a:schemeClr val="tx1"/>
+                </a:solidFill>
+                <a:sym typeface="+mn-ea"/>
+              </a:rPr>
+              <a:t>相关博客）</a:t>
+            </a:r>
+            <a:br>
+              <a:rPr lang="zh-CN" altLang="en-US" sz="3200" dirty="0">
+                <a:solidFill>
+                  <a:srgbClr val="FF0000"/>
+                </a:solidFill>
+                <a:sym typeface="+mn-ea"/>
+              </a:rPr>
+            </a:br>
+            <a:r>
+              <a:rPr lang="zh-CN" altLang="en-US" sz="3200" dirty="0">
+                <a:solidFill>
+                  <a:srgbClr val="FF0000"/>
+                </a:solidFill>
+                <a:sym typeface="+mn-ea"/>
+              </a:rPr>
+              <a:t>https://www.imooc.com/learn/949</a:t>
+            </a:r>
+            <a:br>
+              <a:rPr lang="zh-CN" altLang="en-US" sz="3200" dirty="0">
+                <a:solidFill>
+                  <a:srgbClr val="FF0000"/>
+                </a:solidFill>
+                <a:sym typeface="+mn-ea"/>
+              </a:rPr>
+            </a:br>
+            <a:r>
+              <a:rPr lang="zh-CN" altLang="en-US" sz="3200" dirty="0">
+                <a:solidFill>
+                  <a:srgbClr val="FF0000"/>
+                </a:solidFill>
+                <a:sym typeface="+mn-ea"/>
+              </a:rPr>
+              <a:t>https://www.jianshu.com/p/c98eb98bd00c</a:t>
+            </a:r>
+            <a:br>
+              <a:rPr lang="zh-CN" altLang="en-US" sz="3200" dirty="0">
+                <a:solidFill>
+                  <a:srgbClr val="FF0000"/>
+                </a:solidFill>
+                <a:sym typeface="+mn-ea"/>
+              </a:rPr>
+            </a:br>
+            <a:r>
+              <a:rPr lang="zh-CN" altLang="en-US" sz="3200" dirty="0">
+                <a:solidFill>
+                  <a:srgbClr val="FF0000"/>
+                </a:solidFill>
+                <a:sym typeface="+mn-ea"/>
+              </a:rPr>
+              <a:t>https://segmentfault.com/a/1190000007678185</a:t>
             </a:r>
             <a:endParaRPr lang="zh-CN" altLang="en-US" sz="3200" dirty="0">
               <a:solidFill>
-                <a:schemeClr val="tx1"/>
-              </a:solidFill>
-              <a:sym typeface="+mn-ea"/>
-            </a:endParaRPr>
-          </a:p>
-          <a:p>
-            <a:pPr>
-              <a:lnSpc>
-                <a:spcPct val="130000"/>
-              </a:lnSpc>
-            </a:pPr>
-            <a:r>
-              <a:rPr lang="zh-CN" altLang="en-US" sz="3200" dirty="0">
-                <a:solidFill>
-                  <a:schemeClr val="tx1"/>
-                </a:solidFill>
-                <a:sym typeface="+mn-ea"/>
-              </a:rPr>
-              <a:t>作业（https://www.imooc.com/learn/949）</a:t>
-            </a:r>
-            <a:endParaRPr lang="zh-CN" altLang="en-US" sz="3200" dirty="0">
-              <a:solidFill>
-                <a:schemeClr val="tx1"/>
+                <a:srgbClr val="FF0000"/>
               </a:solidFill>
               <a:sym typeface="+mn-ea"/>
             </a:endParaRPr>
@@ -8670,7 +9084,15 @@
               </a:rPr>
               <a:t>Promise</a:t>
             </a:r>
-            <a:endParaRPr kumimoji="0" lang="zh-CN" altLang="en-US" dirty="0"/>
+            <a:r>
+              <a:rPr kumimoji="0" lang="zh-CN" altLang="en-US" dirty="0">
+                <a:sym typeface="+mn-ea"/>
+              </a:rPr>
+              <a:t>补充</a:t>
+            </a:r>
+            <a:endParaRPr kumimoji="0" lang="zh-CN" altLang="en-US" dirty="0">
+              <a:sym typeface="+mn-ea"/>
+            </a:endParaRPr>
           </a:p>
         </p:txBody>
       </p:sp>
@@ -8682,339 +9104,7 @@
   <p:timing>
     <p:tnLst>
       <p:par>
-        <p:cTn id="1" dur="indefinite" restart="never" nodeType="tmRoot">
-          <p:childTnLst>
-            <p:seq concurrent="1" nextAc="seek">
-              <p:cTn id="2" dur="indefinite" nodeType="mainSeq">
-                <p:childTnLst>
-                  <p:par>
-                    <p:cTn id="3" fill="hold">
-                      <p:stCondLst>
-                        <p:cond delay="indefinite"/>
-                      </p:stCondLst>
-                      <p:childTnLst>
-                        <p:par>
-                          <p:cTn id="4" fill="hold">
-                            <p:stCondLst>
-                              <p:cond delay="0"/>
-                            </p:stCondLst>
-                            <p:childTnLst>
-                              <p:par>
-                                <p:cTn id="5" presetID="2" presetClass="entr" presetSubtype="4" fill="hold" nodeType="clickEffect">
-                                  <p:stCondLst>
-                                    <p:cond delay="0"/>
-                                  </p:stCondLst>
-                                  <p:childTnLst>
-                                    <p:set>
-                                      <p:cBhvr>
-                                        <p:cTn id="6" dur="1" fill="hold">
-                                          <p:stCondLst>
-                                            <p:cond delay="0"/>
-                                          </p:stCondLst>
-                                        </p:cTn>
-                                        <p:tgtEl>
-                                          <p:spTgt spid="11266">
-                                            <p:txEl>
-                                              <p:pRg st="0" end="0"/>
-                                            </p:txEl>
-                                          </p:spTgt>
-                                        </p:tgtEl>
-                                        <p:attrNameLst>
-                                          <p:attrName>style.visibility</p:attrName>
-                                        </p:attrNameLst>
-                                      </p:cBhvr>
-                                      <p:to>
-                                        <p:strVal val="visible"/>
-                                      </p:to>
-                                    </p:set>
-                                    <p:anim calcmode="lin" valueType="num">
-                                      <p:cBhvr additive="base">
-                                        <p:cTn id="7" dur="500" fill="hold"/>
-                                        <p:tgtEl>
-                                          <p:spTgt spid="11266">
-                                            <p:txEl>
-                                              <p:pRg st="0" end="0"/>
-                                            </p:txEl>
-                                          </p:spTgt>
-                                        </p:tgtEl>
-                                        <p:attrNameLst>
-                                          <p:attrName>ppt_x</p:attrName>
-                                        </p:attrNameLst>
-                                      </p:cBhvr>
-                                      <p:tavLst>
-                                        <p:tav tm="0">
-                                          <p:val>
-                                            <p:strVal val="#ppt_x"/>
-                                          </p:val>
-                                        </p:tav>
-                                        <p:tav tm="100000">
-                                          <p:val>
-                                            <p:strVal val="#ppt_x"/>
-                                          </p:val>
-                                        </p:tav>
-                                      </p:tavLst>
-                                    </p:anim>
-                                    <p:anim calcmode="lin" valueType="num">
-                                      <p:cBhvr additive="base">
-                                        <p:cTn id="8" dur="500" fill="hold"/>
-                                        <p:tgtEl>
-                                          <p:spTgt spid="11266">
-                                            <p:txEl>
-                                              <p:pRg st="0" end="0"/>
-                                            </p:txEl>
-                                          </p:spTgt>
-                                        </p:tgtEl>
-                                        <p:attrNameLst>
-                                          <p:attrName>ppt_y</p:attrName>
-                                        </p:attrNameLst>
-                                      </p:cBhvr>
-                                      <p:tavLst>
-                                        <p:tav tm="0">
-                                          <p:val>
-                                            <p:strVal val="1+#ppt_h/2"/>
-                                          </p:val>
-                                        </p:tav>
-                                        <p:tav tm="100000">
-                                          <p:val>
-                                            <p:strVal val="#ppt_y"/>
-                                          </p:val>
-                                        </p:tav>
-                                      </p:tavLst>
-                                    </p:anim>
-                                  </p:childTnLst>
-                                </p:cTn>
-                              </p:par>
-                            </p:childTnLst>
-                          </p:cTn>
-                        </p:par>
-                      </p:childTnLst>
-                    </p:cTn>
-                  </p:par>
-                  <p:par>
-                    <p:cTn id="9" fill="hold">
-                      <p:stCondLst>
-                        <p:cond delay="indefinite"/>
-                      </p:stCondLst>
-                      <p:childTnLst>
-                        <p:par>
-                          <p:cTn id="10" fill="hold">
-                            <p:stCondLst>
-                              <p:cond delay="0"/>
-                            </p:stCondLst>
-                            <p:childTnLst>
-                              <p:par>
-                                <p:cTn id="11" presetID="2" presetClass="entr" presetSubtype="4" fill="hold" nodeType="clickEffect">
-                                  <p:stCondLst>
-                                    <p:cond delay="0"/>
-                                  </p:stCondLst>
-                                  <p:childTnLst>
-                                    <p:set>
-                                      <p:cBhvr>
-                                        <p:cTn id="12" dur="1" fill="hold">
-                                          <p:stCondLst>
-                                            <p:cond delay="0"/>
-                                          </p:stCondLst>
-                                        </p:cTn>
-                                        <p:tgtEl>
-                                          <p:spTgt spid="11266">
-                                            <p:txEl>
-                                              <p:pRg st="1" end="1"/>
-                                            </p:txEl>
-                                          </p:spTgt>
-                                        </p:tgtEl>
-                                        <p:attrNameLst>
-                                          <p:attrName>style.visibility</p:attrName>
-                                        </p:attrNameLst>
-                                      </p:cBhvr>
-                                      <p:to>
-                                        <p:strVal val="visible"/>
-                                      </p:to>
-                                    </p:set>
-                                    <p:anim calcmode="lin" valueType="num">
-                                      <p:cBhvr additive="base">
-                                        <p:cTn id="13" dur="500" fill="hold"/>
-                                        <p:tgtEl>
-                                          <p:spTgt spid="11266">
-                                            <p:txEl>
-                                              <p:pRg st="1" end="1"/>
-                                            </p:txEl>
-                                          </p:spTgt>
-                                        </p:tgtEl>
-                                        <p:attrNameLst>
-                                          <p:attrName>ppt_x</p:attrName>
-                                        </p:attrNameLst>
-                                      </p:cBhvr>
-                                      <p:tavLst>
-                                        <p:tav tm="0">
-                                          <p:val>
-                                            <p:strVal val="#ppt_x"/>
-                                          </p:val>
-                                        </p:tav>
-                                        <p:tav tm="100000">
-                                          <p:val>
-                                            <p:strVal val="#ppt_x"/>
-                                          </p:val>
-                                        </p:tav>
-                                      </p:tavLst>
-                                    </p:anim>
-                                    <p:anim calcmode="lin" valueType="num">
-                                      <p:cBhvr additive="base">
-                                        <p:cTn id="14" dur="500" fill="hold"/>
-                                        <p:tgtEl>
-                                          <p:spTgt spid="11266">
-                                            <p:txEl>
-                                              <p:pRg st="1" end="1"/>
-                                            </p:txEl>
-                                          </p:spTgt>
-                                        </p:tgtEl>
-                                        <p:attrNameLst>
-                                          <p:attrName>ppt_y</p:attrName>
-                                        </p:attrNameLst>
-                                      </p:cBhvr>
-                                      <p:tavLst>
-                                        <p:tav tm="0">
-                                          <p:val>
-                                            <p:strVal val="1+#ppt_h/2"/>
-                                          </p:val>
-                                        </p:tav>
-                                        <p:tav tm="100000">
-                                          <p:val>
-                                            <p:strVal val="#ppt_y"/>
-                                          </p:val>
-                                        </p:tav>
-                                      </p:tavLst>
-                                    </p:anim>
-                                  </p:childTnLst>
-                                </p:cTn>
-                              </p:par>
-                            </p:childTnLst>
-                          </p:cTn>
-                        </p:par>
-                      </p:childTnLst>
-                    </p:cTn>
-                  </p:par>
-                  <p:par>
-                    <p:cTn id="15" fill="hold">
-                      <p:stCondLst>
-                        <p:cond delay="indefinite"/>
-                      </p:stCondLst>
-                      <p:childTnLst>
-                        <p:par>
-                          <p:cTn id="16" fill="hold">
-                            <p:stCondLst>
-                              <p:cond delay="0"/>
-                            </p:stCondLst>
-                            <p:childTnLst>
-                              <p:par>
-                                <p:cTn id="17" presetID="2" presetClass="entr" presetSubtype="4" fill="hold" nodeType="clickEffect">
-                                  <p:stCondLst>
-                                    <p:cond delay="0"/>
-                                  </p:stCondLst>
-                                  <p:childTnLst>
-                                    <p:set>
-                                      <p:cBhvr>
-                                        <p:cTn id="18" dur="1" fill="hold">
-                                          <p:stCondLst>
-                                            <p:cond delay="0"/>
-                                          </p:stCondLst>
-                                        </p:cTn>
-                                        <p:tgtEl>
-                                          <p:spTgt spid="11266">
-                                            <p:txEl>
-                                              <p:pRg st="2" end="2"/>
-                                            </p:txEl>
-                                          </p:spTgt>
-                                        </p:tgtEl>
-                                        <p:attrNameLst>
-                                          <p:attrName>style.visibility</p:attrName>
-                                        </p:attrNameLst>
-                                      </p:cBhvr>
-                                      <p:to>
-                                        <p:strVal val="visible"/>
-                                      </p:to>
-                                    </p:set>
-                                    <p:anim calcmode="lin" valueType="num">
-                                      <p:cBhvr additive="base">
-                                        <p:cTn id="19" dur="500" fill="hold"/>
-                                        <p:tgtEl>
-                                          <p:spTgt spid="11266">
-                                            <p:txEl>
-                                              <p:pRg st="2" end="2"/>
-                                            </p:txEl>
-                                          </p:spTgt>
-                                        </p:tgtEl>
-                                        <p:attrNameLst>
-                                          <p:attrName>ppt_x</p:attrName>
-                                        </p:attrNameLst>
-                                      </p:cBhvr>
-                                      <p:tavLst>
-                                        <p:tav tm="0">
-                                          <p:val>
-                                            <p:strVal val="#ppt_x"/>
-                                          </p:val>
-                                        </p:tav>
-                                        <p:tav tm="100000">
-                                          <p:val>
-                                            <p:strVal val="#ppt_x"/>
-                                          </p:val>
-                                        </p:tav>
-                                      </p:tavLst>
-                                    </p:anim>
-                                    <p:anim calcmode="lin" valueType="num">
-                                      <p:cBhvr additive="base">
-                                        <p:cTn id="20" dur="500" fill="hold"/>
-                                        <p:tgtEl>
-                                          <p:spTgt spid="11266">
-                                            <p:txEl>
-                                              <p:pRg st="2" end="2"/>
-                                            </p:txEl>
-                                          </p:spTgt>
-                                        </p:tgtEl>
-                                        <p:attrNameLst>
-                                          <p:attrName>ppt_y</p:attrName>
-                                        </p:attrNameLst>
-                                      </p:cBhvr>
-                                      <p:tavLst>
-                                        <p:tav tm="0">
-                                          <p:val>
-                                            <p:strVal val="1+#ppt_h/2"/>
-                                          </p:val>
-                                        </p:tav>
-                                        <p:tav tm="100000">
-                                          <p:val>
-                                            <p:strVal val="#ppt_y"/>
-                                          </p:val>
-                                        </p:tav>
-                                      </p:tavLst>
-                                    </p:anim>
-                                  </p:childTnLst>
-                                </p:cTn>
-                              </p:par>
-                            </p:childTnLst>
-                          </p:cTn>
-                        </p:par>
-                      </p:childTnLst>
-                    </p:cTn>
-                  </p:par>
-                </p:childTnLst>
-              </p:cTn>
-              <p:prevCondLst>
-                <p:cond evt="onPrev" delay="0">
-                  <p:tgtEl>
-                    <p:sldTgt/>
-                  </p:tgtEl>
-                </p:cond>
-              </p:prevCondLst>
-              <p:nextCondLst>
-                <p:cond evt="onNext" delay="0">
-                  <p:tgtEl>
-                    <p:sldTgt/>
-                  </p:tgtEl>
-                </p:cond>
-              </p:nextCondLst>
-            </p:seq>
-          </p:childTnLst>
-        </p:cTn>
+        <p:cTn id="1" dur="indefinite" restart="never" nodeType="tmRoot"/>
       </p:par>
     </p:tnLst>
   </p:timing>
@@ -9643,7 +9733,7 @@
                 </a:solidFill>
                 <a:sym typeface="+mn-ea"/>
               </a:rPr>
-              <a:t>回调函数（简单容易理解，但耦合性差、多层回调时流程混乱不利于理解与维护）</a:t>
+              <a:t>回调函数（简单容易理解，但耦合太紧密、多层回调时流程混乱不利于理解与维护）</a:t>
             </a:r>
             <a:br>
               <a:rPr lang="zh-CN" altLang="en-US" sz="1900">
@@ -12906,8 +12996,8 @@
         </p:nvSpPr>
         <p:spPr>
           <a:xfrm>
-            <a:off x="5941060" y="6127750"/>
-            <a:ext cx="5271135" cy="429895"/>
+            <a:off x="5295265" y="6127750"/>
+            <a:ext cx="6276340" cy="429895"/>
           </a:xfrm>
           <a:prstGeom prst="rect">
             <a:avLst/>
@@ -12958,7 +13048,7 @@
                 <a:latin typeface="+mn-ea"/>
                 <a:ea typeface="+mn-ea"/>
               </a:rPr>
-              <a:t>then</a:t>
+              <a:t>then Part1</a:t>
             </a:r>
             <a:endParaRPr lang="en-US" altLang="zh-CN" sz="2200">
               <a:solidFill>
@@ -13574,8 +13664,8 @@
         </p:nvSpPr>
         <p:spPr>
           <a:xfrm>
-            <a:off x="5941060" y="6127750"/>
-            <a:ext cx="5271135" cy="429895"/>
+            <a:off x="5012055" y="6127750"/>
+            <a:ext cx="6200140" cy="429895"/>
           </a:xfrm>
           <a:prstGeom prst="rect">
             <a:avLst/>
@@ -13626,7 +13716,7 @@
                 <a:latin typeface="+mn-ea"/>
                 <a:ea typeface="+mn-ea"/>
               </a:rPr>
-              <a:t>then</a:t>
+              <a:t>then Part2</a:t>
             </a:r>
             <a:endParaRPr lang="en-US" altLang="zh-CN" sz="2200">
               <a:solidFill>
